--- a/documents/soutenance/Soutenance.pptx
+++ b/documents/soutenance/Soutenance.pptx
@@ -18,7 +18,8 @@
     <p:sldId id="263" r:id="rId12"/>
     <p:sldId id="264" r:id="rId13"/>
     <p:sldId id="262" r:id="rId14"/>
-    <p:sldId id="271" r:id="rId15"/>
+    <p:sldId id="272" r:id="rId15"/>
+    <p:sldId id="271" r:id="rId16"/>
   </p:sldIdLst>
   <p:sldSz cx="12192000" cy="6858000"/>
   <p:notesSz cx="6858000" cy="9144000"/>
@@ -117,6 +118,11 @@
       </a:defRPr>
     </a:lvl9pPr>
   </p:defaultTextStyle>
+  <p:extLst>
+    <p:ext uri="{EFAFB233-063F-42B5-8137-9DF3F51BA10A}">
+      <p15:sldGuideLst xmlns:p15="http://schemas.microsoft.com/office/powerpoint/2012/main"/>
+    </p:ext>
+  </p:extLst>
 </p:presentation>
 </file>
 
@@ -2463,6 +2469,89 @@
       </p:grpSpPr>
       <p:sp>
         <p:nvSpPr>
+          <p:cNvPr id="2" name="Titre 1">
+            <a:extLst>
+              <a:ext uri="{FF2B5EF4-FFF2-40B4-BE49-F238E27FC236}">
+                <a16:creationId xmlns:a16="http://schemas.microsoft.com/office/drawing/2014/main" id="{684A6CB5-E57A-470D-8226-D62735C6FA60}"/>
+              </a:ext>
+            </a:extLst>
+          </p:cNvPr>
+          <p:cNvSpPr>
+            <a:spLocks noGrp="1"/>
+          </p:cNvSpPr>
+          <p:nvPr>
+            <p:ph type="title"/>
+          </p:nvPr>
+        </p:nvSpPr>
+        <p:spPr/>
+        <p:txBody>
+          <a:bodyPr/>
+          <a:lstStyle/>
+          <a:p>
+            <a:r>
+              <a:rPr lang="fr-FR" dirty="0"/>
+              <a:t>Démonstration</a:t>
+            </a:r>
+          </a:p>
+        </p:txBody>
+      </p:sp>
+      <p:sp>
+        <p:nvSpPr>
+          <p:cNvPr id="3" name="Espace réservé du contenu 2">
+            <a:extLst>
+              <a:ext uri="{FF2B5EF4-FFF2-40B4-BE49-F238E27FC236}">
+                <a16:creationId xmlns:a16="http://schemas.microsoft.com/office/drawing/2014/main" id="{94B18D86-276E-4D27-8F41-5569AC0AF5AF}"/>
+              </a:ext>
+            </a:extLst>
+          </p:cNvPr>
+          <p:cNvSpPr>
+            <a:spLocks noGrp="1"/>
+          </p:cNvSpPr>
+          <p:nvPr>
+            <p:ph idx="1"/>
+          </p:nvPr>
+        </p:nvSpPr>
+        <p:spPr/>
+        <p:txBody>
+          <a:bodyPr/>
+          <a:lstStyle/>
+          <a:p>
+            <a:endParaRPr lang="fr-FR"/>
+          </a:p>
+        </p:txBody>
+      </p:sp>
+    </p:spTree>
+    <p:extLst>
+      <p:ext uri="{BB962C8B-B14F-4D97-AF65-F5344CB8AC3E}">
+        <p14:creationId xmlns:p14="http://schemas.microsoft.com/office/powerpoint/2010/main" val="2063572466"/>
+      </p:ext>
+    </p:extLst>
+  </p:cSld>
+  <p:clrMapOvr>
+    <a:masterClrMapping/>
+  </p:clrMapOvr>
+</p:sld>
+</file>
+
+<file path=ppt/slides/slide15.xml><?xml version="1.0" encoding="utf-8"?>
+<p:sld xmlns:a="http://schemas.openxmlformats.org/drawingml/2006/main" xmlns:r="http://schemas.openxmlformats.org/officeDocument/2006/relationships" xmlns:p="http://schemas.openxmlformats.org/presentationml/2006/main">
+  <p:cSld>
+    <p:spTree>
+      <p:nvGrpSpPr>
+        <p:cNvPr id="1" name=""/>
+        <p:cNvGrpSpPr/>
+        <p:nvPr/>
+      </p:nvGrpSpPr>
+      <p:grpSpPr>
+        <a:xfrm>
+          <a:off x="0" y="0"/>
+          <a:ext cx="0" cy="0"/>
+          <a:chOff x="0" y="0"/>
+          <a:chExt cx="0" cy="0"/>
+        </a:xfrm>
+      </p:grpSpPr>
+      <p:sp>
+        <p:nvSpPr>
           <p:cNvPr id="2" name="ZoneTexte 1">
             <a:extLst>
               <a:ext uri="{FF2B5EF4-FFF2-40B4-BE49-F238E27FC236}">
@@ -2494,6 +2583,9 @@
               <a:rPr lang="fr-FR" sz="2800" dirty="0"/>
               <a:t>Merci de votre attention</a:t>
             </a:r>
+            <a:endParaRPr lang="fr-FR" sz="2800" b="1" dirty="0">
+              <a:latin typeface="Algerian" panose="04020705040A02060702" pitchFamily="82" charset="0"/>
+            </a:endParaRPr>
           </a:p>
         </p:txBody>
       </p:sp>
@@ -3539,7 +3631,7 @@
         </p:blipFill>
         <p:spPr bwMode="auto">
           <a:xfrm>
-            <a:off x="0" y="2242842"/>
+            <a:off x="639192" y="2296108"/>
             <a:ext cx="6008824" cy="3600000"/>
           </a:xfrm>
           <a:prstGeom prst="rect">
@@ -3571,7 +3663,7 @@
         </p:nvSpPr>
         <p:spPr>
           <a:xfrm>
-            <a:off x="1108936" y="2495550"/>
+            <a:off x="1748128" y="2548816"/>
             <a:ext cx="3857625" cy="1200329"/>
           </a:xfrm>
           <a:prstGeom prst="rect">
@@ -3643,7 +3735,7 @@
         </p:nvSpPr>
         <p:spPr>
           <a:xfrm>
-            <a:off x="6008824" y="2242842"/>
+            <a:off x="6648016" y="2296108"/>
             <a:ext cx="5278301" cy="2031325"/>
           </a:xfrm>
           <a:prstGeom prst="rect">
